--- a/発表資料.pptx
+++ b/発表資料.pptx
@@ -4225,7 +4225,7 @@
         <p:spPr/>
         <p:txBody>
           <a:bodyPr>
-            <a:normAutofit fontScale="92500" lnSpcReduction="20000"/>
+            <a:normAutofit fontScale="85000" lnSpcReduction="10000"/>
           </a:bodyPr>
           <a:lstStyle/>
           <a:p>
@@ -4251,7 +4251,11 @@
             </a:r>
             <a:r>
               <a:rPr lang="ja-JP" altLang="en-US" dirty="0" smtClean="0"/>
-              <a:t>取得データベースに格納</a:t>
+              <a:t>取得データベースに</a:t>
+            </a:r>
+            <a:r>
+              <a:rPr lang="ja-JP" altLang="en-US" dirty="0" smtClean="0"/>
+              <a:t>格納、表示</a:t>
             </a:r>
             <a:endParaRPr lang="en-US" altLang="ja-JP" dirty="0" smtClean="0"/>
           </a:p>
@@ -4272,7 +4276,19 @@
             </a:r>
             <a:r>
               <a:rPr lang="ja-JP" altLang="en-US" dirty="0"/>
-              <a:t>分ごとにデータ取得、データベースに</a:t>
+              <a:t>分</a:t>
+            </a:r>
+            <a:r>
+              <a:rPr lang="ja-JP" altLang="en-US"/>
+              <a:t>ごと</a:t>
+            </a:r>
+            <a:r>
+              <a:rPr lang="ja-JP" altLang="en-US" smtClean="0"/>
+              <a:t>に横浜市のデータ</a:t>
+            </a:r>
+            <a:r>
+              <a:rPr lang="ja-JP" altLang="en-US" dirty="0"/>
+              <a:t>取得、データベースに</a:t>
             </a:r>
             <a:r>
               <a:rPr lang="ja-JP" altLang="en-US" dirty="0" smtClean="0"/>
@@ -4318,7 +4334,37 @@
             </a:r>
             <a:r>
               <a:rPr lang="ja-JP" altLang="en-US" dirty="0" smtClean="0"/>
-              <a:t>を使って流行り風邪やウイルスなどの情報を抽出して、現在の気温、湿度が快適かどうか表示</a:t>
+              <a:t>を使って流行り風邪やウイルスなどの情報を抽出して、現在の気温、湿度が快適かどうか</a:t>
+            </a:r>
+            <a:r>
+              <a:rPr lang="ja-JP" altLang="en-US" dirty="0" smtClean="0"/>
+              <a:t>表示</a:t>
+            </a:r>
+            <a:endParaRPr lang="en-US" altLang="ja-JP" dirty="0" smtClean="0"/>
+          </a:p>
+          <a:p>
+            <a:endParaRPr lang="en-US" altLang="ja-JP" dirty="0"/>
+          </a:p>
+          <a:p>
+            <a:r>
+              <a:rPr lang="ja-JP" altLang="en-US" dirty="0" smtClean="0"/>
+              <a:t>湿度が</a:t>
+            </a:r>
+            <a:r>
+              <a:rPr lang="en-US" altLang="ja-JP" dirty="0" smtClean="0"/>
+              <a:t>20%</a:t>
+            </a:r>
+            <a:r>
+              <a:rPr lang="ja-JP" altLang="en-US" dirty="0" smtClean="0"/>
+              <a:t>を下回ったら、赤い</a:t>
+            </a:r>
+            <a:r>
+              <a:rPr lang="en-US" altLang="ja-JP" dirty="0" smtClean="0"/>
+              <a:t>LED</a:t>
+            </a:r>
+            <a:r>
+              <a:rPr lang="ja-JP" altLang="en-US" dirty="0" smtClean="0"/>
+              <a:t>が点灯</a:t>
             </a:r>
             <a:endParaRPr lang="en-US" altLang="ja-JP" dirty="0" smtClean="0"/>
           </a:p>

--- a/発表資料.pptx
+++ b/発表資料.pptx
@@ -197,7 +197,7 @@
           <a:p>
             <a:fld id="{856C9628-3286-409D-98AA-2BEFF41FC73B}" type="datetimeFigureOut">
               <a:rPr kumimoji="1" lang="ja-JP" altLang="en-US" smtClean="0"/>
-              <a:t>2017/11/16</a:t>
+              <a:t>2017/11/17</a:t>
             </a:fld>
             <a:endParaRPr kumimoji="1" lang="ja-JP" altLang="en-US"/>
           </a:p>
@@ -696,7 +696,7 @@
           <a:p>
             <a:fld id="{6ADFFB22-5463-4910-9A77-2959F54E7137}" type="datetimeFigureOut">
               <a:rPr kumimoji="1" lang="ja-JP" altLang="en-US" smtClean="0"/>
-              <a:t>2017/11/16</a:t>
+              <a:t>2017/11/17</a:t>
             </a:fld>
             <a:endParaRPr kumimoji="1" lang="ja-JP" altLang="en-US"/>
           </a:p>
@@ -954,7 +954,7 @@
           <a:p>
             <a:fld id="{6ADFFB22-5463-4910-9A77-2959F54E7137}" type="datetimeFigureOut">
               <a:rPr kumimoji="1" lang="ja-JP" altLang="en-US" smtClean="0"/>
-              <a:t>2017/11/16</a:t>
+              <a:t>2017/11/17</a:t>
             </a:fld>
             <a:endParaRPr kumimoji="1" lang="ja-JP" altLang="en-US"/>
           </a:p>
@@ -1161,7 +1161,7 @@
           <a:p>
             <a:fld id="{6ADFFB22-5463-4910-9A77-2959F54E7137}" type="datetimeFigureOut">
               <a:rPr kumimoji="1" lang="ja-JP" altLang="en-US" smtClean="0"/>
-              <a:t>2017/11/16</a:t>
+              <a:t>2017/11/17</a:t>
             </a:fld>
             <a:endParaRPr kumimoji="1" lang="ja-JP" altLang="en-US"/>
           </a:p>
@@ -1358,7 +1358,7 @@
           <a:p>
             <a:fld id="{6ADFFB22-5463-4910-9A77-2959F54E7137}" type="datetimeFigureOut">
               <a:rPr kumimoji="1" lang="ja-JP" altLang="en-US" smtClean="0"/>
-              <a:t>2017/11/16</a:t>
+              <a:t>2017/11/17</a:t>
             </a:fld>
             <a:endParaRPr kumimoji="1" lang="ja-JP" altLang="en-US"/>
           </a:p>
@@ -1602,7 +1602,7 @@
           <a:p>
             <a:fld id="{6ADFFB22-5463-4910-9A77-2959F54E7137}" type="datetimeFigureOut">
               <a:rPr kumimoji="1" lang="ja-JP" altLang="en-US" smtClean="0"/>
-              <a:t>2017/11/16</a:t>
+              <a:t>2017/11/17</a:t>
             </a:fld>
             <a:endParaRPr kumimoji="1" lang="ja-JP" altLang="en-US"/>
           </a:p>
@@ -1930,7 +1930,7 @@
           <a:p>
             <a:fld id="{6ADFFB22-5463-4910-9A77-2959F54E7137}" type="datetimeFigureOut">
               <a:rPr kumimoji="1" lang="ja-JP" altLang="en-US" smtClean="0"/>
-              <a:t>2017/11/16</a:t>
+              <a:t>2017/11/17</a:t>
             </a:fld>
             <a:endParaRPr kumimoji="1" lang="ja-JP" altLang="en-US"/>
           </a:p>
@@ -2368,7 +2368,7 @@
           <a:p>
             <a:fld id="{6ADFFB22-5463-4910-9A77-2959F54E7137}" type="datetimeFigureOut">
               <a:rPr kumimoji="1" lang="ja-JP" altLang="en-US" smtClean="0"/>
-              <a:t>2017/11/16</a:t>
+              <a:t>2017/11/17</a:t>
             </a:fld>
             <a:endParaRPr kumimoji="1" lang="ja-JP" altLang="en-US"/>
           </a:p>
@@ -2481,7 +2481,7 @@
           <a:p>
             <a:fld id="{6ADFFB22-5463-4910-9A77-2959F54E7137}" type="datetimeFigureOut">
               <a:rPr kumimoji="1" lang="ja-JP" altLang="en-US" smtClean="0"/>
-              <a:t>2017/11/16</a:t>
+              <a:t>2017/11/17</a:t>
             </a:fld>
             <a:endParaRPr kumimoji="1" lang="ja-JP" altLang="en-US"/>
           </a:p>
@@ -2571,7 +2571,7 @@
           <a:p>
             <a:fld id="{6ADFFB22-5463-4910-9A77-2959F54E7137}" type="datetimeFigureOut">
               <a:rPr kumimoji="1" lang="ja-JP" altLang="en-US" smtClean="0"/>
-              <a:t>2017/11/16</a:t>
+              <a:t>2017/11/17</a:t>
             </a:fld>
             <a:endParaRPr kumimoji="1" lang="ja-JP" altLang="en-US"/>
           </a:p>
@@ -2861,7 +2861,7 @@
           <a:p>
             <a:fld id="{6ADFFB22-5463-4910-9A77-2959F54E7137}" type="datetimeFigureOut">
               <a:rPr kumimoji="1" lang="ja-JP" altLang="en-US" smtClean="0"/>
-              <a:t>2017/11/16</a:t>
+              <a:t>2017/11/17</a:t>
             </a:fld>
             <a:endParaRPr kumimoji="1" lang="ja-JP" altLang="en-US"/>
           </a:p>
@@ -3125,7 +3125,7 @@
           <a:p>
             <a:fld id="{6ADFFB22-5463-4910-9A77-2959F54E7137}" type="datetimeFigureOut">
               <a:rPr kumimoji="1" lang="ja-JP" altLang="en-US" smtClean="0"/>
-              <a:t>2017/11/16</a:t>
+              <a:t>2017/11/17</a:t>
             </a:fld>
             <a:endParaRPr kumimoji="1" lang="ja-JP" altLang="en-US"/>
           </a:p>
@@ -3374,7 +3374,7 @@
           <a:p>
             <a:fld id="{6ADFFB22-5463-4910-9A77-2959F54E7137}" type="datetimeFigureOut">
               <a:rPr kumimoji="1" lang="ja-JP" altLang="en-US" smtClean="0"/>
-              <a:t>2017/11/16</a:t>
+              <a:t>2017/11/17</a:t>
             </a:fld>
             <a:endParaRPr kumimoji="1" lang="ja-JP" altLang="en-US"/>
           </a:p>
@@ -4225,7 +4225,7 @@
         <p:spPr/>
         <p:txBody>
           <a:bodyPr>
-            <a:normAutofit fontScale="85000" lnSpcReduction="10000"/>
+            <a:normAutofit fontScale="85000" lnSpcReduction="20000"/>
           </a:bodyPr>
           <a:lstStyle/>
           <a:p>
@@ -4251,11 +4251,11 @@
             </a:r>
             <a:r>
               <a:rPr lang="ja-JP" altLang="en-US" dirty="0" smtClean="0"/>
-              <a:t>取得データベースに</a:t>
+              <a:t>取得データベースに格納、</a:t>
             </a:r>
             <a:r>
               <a:rPr lang="ja-JP" altLang="en-US" dirty="0" smtClean="0"/>
-              <a:t>格納、表示</a:t>
+              <a:t>表示</a:t>
             </a:r>
             <a:endParaRPr lang="en-US" altLang="ja-JP" dirty="0" smtClean="0"/>
           </a:p>
@@ -4276,14 +4276,10 @@
             </a:r>
             <a:r>
               <a:rPr lang="ja-JP" altLang="en-US" dirty="0"/>
-              <a:t>分</a:t>
-            </a:r>
-            <a:r>
-              <a:rPr lang="ja-JP" altLang="en-US"/>
-              <a:t>ごと</a:t>
-            </a:r>
-            <a:r>
-              <a:rPr lang="ja-JP" altLang="en-US" smtClean="0"/>
+              <a:t>分ごと</a:t>
+            </a:r>
+            <a:r>
+              <a:rPr lang="ja-JP" altLang="en-US" dirty="0" smtClean="0"/>
               <a:t>に横浜市のデータ</a:t>
             </a:r>
             <a:r>
@@ -4343,36 +4339,65 @@
             <a:endParaRPr lang="en-US" altLang="ja-JP" dirty="0" smtClean="0"/>
           </a:p>
           <a:p>
-            <a:endParaRPr lang="en-US" altLang="ja-JP" dirty="0"/>
-          </a:p>
-          <a:p>
+            <a:endParaRPr lang="en-US" altLang="ja-JP" dirty="0" smtClean="0"/>
+          </a:p>
+          <a:p>
+            <a:r>
+              <a:rPr lang="ja-JP" altLang="en-US" dirty="0"/>
+              <a:t>室温が</a:t>
+            </a:r>
+            <a:r>
+              <a:rPr lang="en-US" altLang="ja-JP" dirty="0"/>
+              <a:t>18</a:t>
+            </a:r>
+            <a:r>
+              <a:rPr lang="ja-JP" altLang="en-US" dirty="0"/>
+              <a:t>度以上＆</a:t>
+            </a:r>
+            <a:r>
+              <a:rPr lang="en-US" altLang="ja-JP" dirty="0"/>
+              <a:t>23</a:t>
+            </a:r>
+            <a:r>
+              <a:rPr lang="ja-JP" altLang="en-US" dirty="0"/>
+              <a:t>度以内だったら緑</a:t>
+            </a:r>
+            <a:r>
+              <a:rPr lang="en-US" altLang="ja-JP" dirty="0"/>
+              <a:t>LED</a:t>
+            </a:r>
+            <a:r>
+              <a:rPr lang="ja-JP" altLang="en-US" dirty="0"/>
+              <a:t>が</a:t>
+            </a:r>
             <a:r>
               <a:rPr lang="ja-JP" altLang="en-US" dirty="0" smtClean="0"/>
+              <a:t>点灯</a:t>
+            </a:r>
+            <a:endParaRPr lang="en-US" altLang="ja-JP" dirty="0" smtClean="0"/>
+          </a:p>
+          <a:p>
+            <a:r>
+              <a:rPr lang="ja-JP" altLang="en-US" dirty="0"/>
               <a:t>湿度が</a:t>
             </a:r>
             <a:r>
-              <a:rPr lang="en-US" altLang="ja-JP" dirty="0" smtClean="0"/>
-              <a:t>20%</a:t>
-            </a:r>
-            <a:r>
-              <a:rPr lang="ja-JP" altLang="en-US" dirty="0" smtClean="0"/>
-              <a:t>を下回ったら、赤い</a:t>
-            </a:r>
-            <a:r>
-              <a:rPr lang="en-US" altLang="ja-JP" dirty="0" smtClean="0"/>
+              <a:rPr lang="en-US" altLang="ja-JP" dirty="0"/>
+              <a:t>30%</a:t>
+            </a:r>
+            <a:r>
+              <a:rPr lang="ja-JP" altLang="en-US" dirty="0"/>
+              <a:t>を上回ったら緑</a:t>
+            </a:r>
+            <a:r>
+              <a:rPr lang="en-US" altLang="ja-JP" dirty="0"/>
               <a:t>LED</a:t>
             </a:r>
             <a:r>
-              <a:rPr lang="ja-JP" altLang="en-US" dirty="0" smtClean="0"/>
+              <a:rPr lang="ja-JP" altLang="en-US" dirty="0"/>
               <a:t>が点灯</a:t>
             </a:r>
             <a:endParaRPr lang="en-US" altLang="ja-JP" dirty="0" smtClean="0"/>
-          </a:p>
-          <a:p>
-            <a:pPr marL="137160" indent="0">
-              <a:buNone/>
-            </a:pPr>
-            <a:endParaRPr lang="en-US" altLang="ja-JP" dirty="0"/>
           </a:p>
           <a:p>
             <a:pPr marL="137160" indent="0">

--- a/発表資料.pptx
+++ b/発表資料.pptx
@@ -5,7 +5,7 @@
     <p:sldMasterId id="2147483756" r:id="rId1"/>
   </p:sldMasterIdLst>
   <p:notesMasterIdLst>
-    <p:notesMasterId r:id="rId8"/>
+    <p:notesMasterId r:id="rId9"/>
   </p:notesMasterIdLst>
   <p:sldIdLst>
     <p:sldId id="256" r:id="rId2"/>
@@ -13,7 +13,8 @@
     <p:sldId id="259" r:id="rId4"/>
     <p:sldId id="260" r:id="rId5"/>
     <p:sldId id="261" r:id="rId6"/>
-    <p:sldId id="258" r:id="rId7"/>
+    <p:sldId id="262" r:id="rId7"/>
+    <p:sldId id="258" r:id="rId8"/>
   </p:sldIdLst>
   <p:sldSz cx="9144000" cy="6858000" type="screen4x3"/>
   <p:notesSz cx="6858000" cy="9144000"/>
@@ -3915,6 +3916,13 @@
   <p:clrMapOvr>
     <a:masterClrMapping/>
   </p:clrMapOvr>
+  <p:timing>
+    <p:tnLst>
+      <p:par>
+        <p:cTn id="1" dur="indefinite" restart="never" nodeType="tmRoot"/>
+      </p:par>
+    </p:tnLst>
+  </p:timing>
 </p:sld>
 </file>
 
@@ -3975,7 +3983,7 @@
           <a:p>
             <a:r>
               <a:rPr kumimoji="1" lang="ja-JP" altLang="en-US" dirty="0" smtClean="0"/>
-              <a:t>・開発環境</a:t>
+              <a:t>開発環境</a:t>
             </a:r>
             <a:endParaRPr kumimoji="1" lang="en-US" altLang="ja-JP" dirty="0" smtClean="0"/>
           </a:p>
@@ -3986,15 +3994,17 @@
             <a:endParaRPr kumimoji="1" lang="en-US" altLang="ja-JP" dirty="0" smtClean="0"/>
           </a:p>
           <a:p>
-            <a:pPr marL="137160" indent="0">
-              <a:buNone/>
-            </a:pPr>
-            <a:endParaRPr kumimoji="1" lang="en-US" altLang="ja-JP" dirty="0" smtClean="0"/>
-          </a:p>
-          <a:p>
             <a:r>
               <a:rPr lang="ja-JP" altLang="en-US" dirty="0" smtClean="0"/>
-              <a:t>・機能の説明</a:t>
+              <a:t>機能</a:t>
+            </a:r>
+            <a:r>
+              <a:rPr lang="ja-JP" altLang="en-US" dirty="0" smtClean="0"/>
+              <a:t>の</a:t>
+            </a:r>
+            <a:r>
+              <a:rPr lang="ja-JP" altLang="en-US" dirty="0" smtClean="0"/>
+              <a:t>説明</a:t>
             </a:r>
             <a:endParaRPr lang="en-US" altLang="ja-JP" dirty="0" smtClean="0"/>
           </a:p>
@@ -4005,15 +4015,19 @@
             <a:endParaRPr lang="en-US" altLang="ja-JP" dirty="0" smtClean="0"/>
           </a:p>
           <a:p>
-            <a:pPr marL="137160" indent="0">
-              <a:buNone/>
-            </a:pPr>
-            <a:endParaRPr lang="en-US" altLang="ja-JP" dirty="0" smtClean="0"/>
-          </a:p>
-          <a:p>
             <a:r>
               <a:rPr kumimoji="1" lang="ja-JP" altLang="en-US" dirty="0" smtClean="0"/>
-              <a:t>・デモプレイ</a:t>
+              <a:t>デモプレイ</a:t>
+            </a:r>
+            <a:endParaRPr kumimoji="1" lang="en-US" altLang="ja-JP" dirty="0" smtClean="0"/>
+          </a:p>
+          <a:p>
+            <a:endParaRPr lang="en-US" altLang="ja-JP" dirty="0"/>
+          </a:p>
+          <a:p>
+            <a:r>
+              <a:rPr lang="ja-JP" altLang="en-US" dirty="0" smtClean="0"/>
+              <a:t>反省</a:t>
             </a:r>
             <a:endParaRPr lang="en-US" altLang="ja-JP" dirty="0" smtClean="0"/>
           </a:p>
@@ -4029,6 +4043,13 @@
   <p:clrMapOvr>
     <a:masterClrMapping/>
   </p:clrMapOvr>
+  <p:timing>
+    <p:tnLst>
+      <p:par>
+        <p:cTn id="1" dur="indefinite" restart="never" nodeType="tmRoot"/>
+      </p:par>
+    </p:tnLst>
+  </p:timing>
 </p:sld>
 </file>
 
@@ -4169,6 +4190,13 @@
   <p:clrMapOvr>
     <a:masterClrMapping/>
   </p:clrMapOvr>
+  <p:timing>
+    <p:tnLst>
+      <p:par>
+        <p:cTn id="1" dur="indefinite" restart="never" nodeType="tmRoot"/>
+      </p:par>
+    </p:tnLst>
+  </p:timing>
 </p:sld>
 </file>
 
@@ -4251,11 +4279,7 @@
             </a:r>
             <a:r>
               <a:rPr lang="ja-JP" altLang="en-US" dirty="0" smtClean="0"/>
-              <a:t>取得データベースに格納、</a:t>
-            </a:r>
-            <a:r>
-              <a:rPr lang="ja-JP" altLang="en-US" dirty="0" smtClean="0"/>
-              <a:t>表示</a:t>
+              <a:t>取得データベースに格納、表示</a:t>
             </a:r>
             <a:endParaRPr lang="en-US" altLang="ja-JP" dirty="0" smtClean="0"/>
           </a:p>
@@ -4330,11 +4354,7 @@
             </a:r>
             <a:r>
               <a:rPr lang="ja-JP" altLang="en-US" dirty="0" smtClean="0"/>
-              <a:t>を使って流行り風邪やウイルスなどの情報を抽出して、現在の気温、湿度が快適かどうか</a:t>
-            </a:r>
-            <a:r>
-              <a:rPr lang="ja-JP" altLang="en-US" dirty="0" smtClean="0"/>
-              <a:t>表示</a:t>
+              <a:t>を使って流行り風邪やウイルスなどの情報を抽出して、現在の気温、湿度が快適かどうか表示</a:t>
             </a:r>
             <a:endParaRPr lang="en-US" altLang="ja-JP" dirty="0" smtClean="0"/>
           </a:p>
@@ -4477,6 +4497,13 @@
   <p:clrMapOvr>
     <a:masterClrMapping/>
   </p:clrMapOvr>
+  <p:timing>
+    <p:tnLst>
+      <p:par>
+        <p:cTn id="1" dur="indefinite" restart="never" nodeType="tmRoot"/>
+      </p:par>
+    </p:tnLst>
+  </p:timing>
 </p:sld>
 </file>
 
@@ -4553,6 +4580,78 @@
 </file>
 
 <file path=ppt/slides/slide6.xml><?xml version="1.0" encoding="utf-8"?>
+<p:sld xmlns:a="http://schemas.openxmlformats.org/drawingml/2006/main" xmlns:r="http://schemas.openxmlformats.org/officeDocument/2006/relationships" xmlns:p="http://schemas.openxmlformats.org/presentationml/2006/main">
+  <p:cSld>
+    <p:spTree>
+      <p:nvGrpSpPr>
+        <p:cNvPr id="1" name=""/>
+        <p:cNvGrpSpPr/>
+        <p:nvPr/>
+      </p:nvGrpSpPr>
+      <p:grpSpPr>
+        <a:xfrm>
+          <a:off x="0" y="0"/>
+          <a:ext cx="0" cy="0"/>
+          <a:chOff x="0" y="0"/>
+          <a:chExt cx="0" cy="0"/>
+        </a:xfrm>
+      </p:grpSpPr>
+      <p:sp>
+        <p:nvSpPr>
+          <p:cNvPr id="2" name="タイトル 1"/>
+          <p:cNvSpPr>
+            <a:spLocks noGrp="1"/>
+          </p:cNvSpPr>
+          <p:nvPr>
+            <p:ph type="title"/>
+          </p:nvPr>
+        </p:nvSpPr>
+        <p:spPr/>
+        <p:txBody>
+          <a:bodyPr/>
+          <a:lstStyle/>
+          <a:p>
+            <a:r>
+              <a:rPr kumimoji="1" lang="ja-JP" altLang="en-US" dirty="0" smtClean="0"/>
+              <a:t>反省</a:t>
+            </a:r>
+            <a:endParaRPr kumimoji="1" lang="ja-JP" altLang="en-US" dirty="0"/>
+          </a:p>
+        </p:txBody>
+      </p:sp>
+      <p:sp>
+        <p:nvSpPr>
+          <p:cNvPr id="3" name="コンテンツ プレースホルダー 2"/>
+          <p:cNvSpPr>
+            <a:spLocks noGrp="1"/>
+          </p:cNvSpPr>
+          <p:nvPr>
+            <p:ph idx="1"/>
+          </p:nvPr>
+        </p:nvSpPr>
+        <p:spPr/>
+        <p:txBody>
+          <a:bodyPr/>
+          <a:lstStyle/>
+          <a:p>
+            <a:endParaRPr kumimoji="1" lang="ja-JP" altLang="en-US" dirty="0"/>
+          </a:p>
+        </p:txBody>
+      </p:sp>
+    </p:spTree>
+    <p:extLst>
+      <p:ext uri="{BB962C8B-B14F-4D97-AF65-F5344CB8AC3E}">
+        <p14:creationId xmlns:p14="http://schemas.microsoft.com/office/powerpoint/2010/main" val="370533657"/>
+      </p:ext>
+    </p:extLst>
+  </p:cSld>
+  <p:clrMapOvr>
+    <a:masterClrMapping/>
+  </p:clrMapOvr>
+</p:sld>
+</file>
+
+<file path=ppt/slides/slide7.xml><?xml version="1.0" encoding="utf-8"?>
 <p:sld xmlns:a="http://schemas.openxmlformats.org/drawingml/2006/main" xmlns:r="http://schemas.openxmlformats.org/officeDocument/2006/relationships" xmlns:p="http://schemas.openxmlformats.org/presentationml/2006/main">
   <p:cSld>
     <p:spTree>

--- a/発表資料.pptx
+++ b/発表資料.pptx
@@ -3815,14 +3815,53 @@
             <p:ph type="ctrTitle"/>
           </p:nvPr>
         </p:nvSpPr>
-        <p:spPr/>
-        <p:txBody>
-          <a:bodyPr/>
+        <p:spPr>
+          <a:xfrm>
+            <a:off x="-684584" y="188640"/>
+            <a:ext cx="9309720" cy="2952328"/>
+          </a:xfrm>
+        </p:spPr>
+        <p:txBody>
+          <a:bodyPr>
+            <a:normAutofit/>
+          </a:bodyPr>
           <a:lstStyle/>
           <a:p>
             <a:r>
               <a:rPr kumimoji="1" lang="ja-JP" altLang="en-US" dirty="0" smtClean="0"/>
-              <a:t>ハッカソン　成果物</a:t>
+              <a:t>ハッカソン　</a:t>
+            </a:r>
+            <a:r>
+              <a:rPr kumimoji="1" lang="ja-JP" altLang="en-US" dirty="0" smtClean="0"/>
+              <a:t>成果物</a:t>
+            </a:r>
+            <a:r>
+              <a:rPr kumimoji="1" lang="en-US" altLang="ja-JP" dirty="0" smtClean="0"/>
+              <a:t/>
+            </a:r>
+            <a:br>
+              <a:rPr kumimoji="1" lang="en-US" altLang="ja-JP" dirty="0" smtClean="0"/>
+            </a:br>
+            <a:r>
+              <a:rPr kumimoji="1" lang="en-US" altLang="ja-JP" dirty="0" smtClean="0"/>
+              <a:t/>
+            </a:r>
+            <a:br>
+              <a:rPr kumimoji="1" lang="en-US" altLang="ja-JP" dirty="0" smtClean="0"/>
+            </a:br>
+            <a:r>
+              <a:rPr kumimoji="1" lang="ja-JP" altLang="en-US" dirty="0" smtClean="0"/>
+              <a:t>　　　　　　チーム名：</a:t>
+            </a:r>
+            <a:r>
+              <a:rPr lang="en-US" altLang="ja-JP" dirty="0" smtClean="0"/>
+              <a:t>670</a:t>
+            </a:r>
+            <a:r>
+              <a:rPr lang="ja-JP" altLang="en-US" b="0" dirty="0">
+                <a:effectLst/>
+              </a:rPr>
+              <a:t>㎖</a:t>
             </a:r>
             <a:endParaRPr kumimoji="1" lang="ja-JP" altLang="en-US" dirty="0"/>
           </a:p>
@@ -3996,15 +4035,7 @@
           <a:p>
             <a:r>
               <a:rPr lang="ja-JP" altLang="en-US" dirty="0" smtClean="0"/>
-              <a:t>機能</a:t>
-            </a:r>
-            <a:r>
-              <a:rPr lang="ja-JP" altLang="en-US" dirty="0" smtClean="0"/>
-              <a:t>の</a:t>
-            </a:r>
-            <a:r>
-              <a:rPr lang="ja-JP" altLang="en-US" dirty="0" smtClean="0"/>
-              <a:t>説明</a:t>
+              <a:t>機能の説明</a:t>
             </a:r>
             <a:endParaRPr lang="en-US" altLang="ja-JP" dirty="0" smtClean="0"/>
           </a:p>
@@ -4576,6 +4607,13 @@
   <p:clrMapOvr>
     <a:masterClrMapping/>
   </p:clrMapOvr>
+  <p:timing>
+    <p:tnLst>
+      <p:par>
+        <p:cTn id="1" dur="indefinite" restart="never" nodeType="tmRoot"/>
+      </p:par>
+    </p:tnLst>
+  </p:timing>
 </p:sld>
 </file>
 
@@ -4608,12 +4646,18 @@
         </p:nvSpPr>
         <p:spPr/>
         <p:txBody>
-          <a:bodyPr/>
+          <a:bodyPr>
+            <a:normAutofit/>
+          </a:bodyPr>
           <a:lstStyle/>
           <a:p>
             <a:r>
               <a:rPr kumimoji="1" lang="ja-JP" altLang="en-US" dirty="0" smtClean="0"/>
-              <a:t>反省</a:t>
+              <a:t>反省・</a:t>
+            </a:r>
+            <a:r>
+              <a:rPr lang="ja-JP" altLang="en-US" dirty="0"/>
+              <a:t>感想</a:t>
             </a:r>
             <a:endParaRPr kumimoji="1" lang="ja-JP" altLang="en-US" dirty="0"/>
           </a:p>
@@ -4648,6 +4692,13 @@
   <p:clrMapOvr>
     <a:masterClrMapping/>
   </p:clrMapOvr>
+  <p:timing>
+    <p:tnLst>
+      <p:par>
+        <p:cTn id="1" dur="indefinite" restart="never" nodeType="tmRoot"/>
+      </p:par>
+    </p:tnLst>
+  </p:timing>
 </p:sld>
 </file>
 
@@ -4720,6 +4771,13 @@
   <p:clrMapOvr>
     <a:masterClrMapping/>
   </p:clrMapOvr>
+  <p:timing>
+    <p:tnLst>
+      <p:par>
+        <p:cTn id="1" dur="indefinite" restart="never" nodeType="tmRoot"/>
+      </p:par>
+    </p:tnLst>
+  </p:timing>
 </p:sld>
 </file>
 

--- a/発表資料.pptx
+++ b/発表資料.pptx
@@ -3829,11 +3829,7 @@
           <a:p>
             <a:r>
               <a:rPr kumimoji="1" lang="ja-JP" altLang="en-US" dirty="0" smtClean="0"/>
-              <a:t>ハッカソン　</a:t>
-            </a:r>
-            <a:r>
-              <a:rPr kumimoji="1" lang="ja-JP" altLang="en-US" dirty="0" smtClean="0"/>
-              <a:t>成果物</a:t>
+              <a:t>ハッカソン　成果物</a:t>
             </a:r>
             <a:r>
               <a:rPr kumimoji="1" lang="en-US" altLang="ja-JP" dirty="0" smtClean="0"/>
@@ -4057,8 +4053,8 @@
           </a:p>
           <a:p>
             <a:r>
-              <a:rPr lang="ja-JP" altLang="en-US" dirty="0" smtClean="0"/>
-              <a:t>反省</a:t>
+              <a:rPr lang="ja-JP" altLang="en-US" smtClean="0"/>
+              <a:t>反省・感想</a:t>
             </a:r>
             <a:endParaRPr lang="en-US" altLang="ja-JP" dirty="0" smtClean="0"/>
           </a:p>
